--- a/IconEditor/chromiumOS.pptx
+++ b/IconEditor/chromiumOS.pptx
@@ -240,7 +240,7 @@
           <a:p>
             <a:fld id="{963033C0-5CE6-43B5-824E-825800F4D89A}" type="datetimeFigureOut">
               <a:rPr lang="zh-CN" altLang="en-US" smtClean="0"/>
-              <a:t>2023-5-3</a:t>
+              <a:t>2023-7-30</a:t>
             </a:fld>
             <a:endParaRPr lang="zh-CN" altLang="en-US"/>
           </a:p>
@@ -1628,7 +1628,7 @@
           <a:p>
             <a:fld id="{6786A9BE-9AB0-4816-9C4A-E57E7110ABF7}" type="datetimeFigureOut">
               <a:rPr lang="zh-CN" altLang="en-US" smtClean="0"/>
-              <a:t>2023-5-3</a:t>
+              <a:t>2023-7-30</a:t>
             </a:fld>
             <a:endParaRPr lang="zh-CN" altLang="en-US"/>
           </a:p>
@@ -1798,7 +1798,7 @@
           <a:p>
             <a:fld id="{6786A9BE-9AB0-4816-9C4A-E57E7110ABF7}" type="datetimeFigureOut">
               <a:rPr lang="zh-CN" altLang="en-US" smtClean="0"/>
-              <a:t>2023-5-3</a:t>
+              <a:t>2023-7-30</a:t>
             </a:fld>
             <a:endParaRPr lang="zh-CN" altLang="en-US"/>
           </a:p>
@@ -1978,7 +1978,7 @@
           <a:p>
             <a:fld id="{6786A9BE-9AB0-4816-9C4A-E57E7110ABF7}" type="datetimeFigureOut">
               <a:rPr lang="zh-CN" altLang="en-US" smtClean="0"/>
-              <a:t>2023-5-3</a:t>
+              <a:t>2023-7-30</a:t>
             </a:fld>
             <a:endParaRPr lang="zh-CN" altLang="en-US"/>
           </a:p>
@@ -2148,7 +2148,7 @@
           <a:p>
             <a:fld id="{6786A9BE-9AB0-4816-9C4A-E57E7110ABF7}" type="datetimeFigureOut">
               <a:rPr lang="zh-CN" altLang="en-US" smtClean="0"/>
-              <a:t>2023-5-3</a:t>
+              <a:t>2023-7-30</a:t>
             </a:fld>
             <a:endParaRPr lang="zh-CN" altLang="en-US"/>
           </a:p>
@@ -2392,7 +2392,7 @@
           <a:p>
             <a:fld id="{6786A9BE-9AB0-4816-9C4A-E57E7110ABF7}" type="datetimeFigureOut">
               <a:rPr lang="zh-CN" altLang="en-US" smtClean="0"/>
-              <a:t>2023-5-3</a:t>
+              <a:t>2023-7-30</a:t>
             </a:fld>
             <a:endParaRPr lang="zh-CN" altLang="en-US"/>
           </a:p>
@@ -2624,7 +2624,7 @@
           <a:p>
             <a:fld id="{6786A9BE-9AB0-4816-9C4A-E57E7110ABF7}" type="datetimeFigureOut">
               <a:rPr lang="zh-CN" altLang="en-US" smtClean="0"/>
-              <a:t>2023-5-3</a:t>
+              <a:t>2023-7-30</a:t>
             </a:fld>
             <a:endParaRPr lang="zh-CN" altLang="en-US"/>
           </a:p>
@@ -2991,7 +2991,7 @@
           <a:p>
             <a:fld id="{6786A9BE-9AB0-4816-9C4A-E57E7110ABF7}" type="datetimeFigureOut">
               <a:rPr lang="zh-CN" altLang="en-US" smtClean="0"/>
-              <a:t>2023-5-3</a:t>
+              <a:t>2023-7-30</a:t>
             </a:fld>
             <a:endParaRPr lang="zh-CN" altLang="en-US"/>
           </a:p>
@@ -3109,7 +3109,7 @@
           <a:p>
             <a:fld id="{6786A9BE-9AB0-4816-9C4A-E57E7110ABF7}" type="datetimeFigureOut">
               <a:rPr lang="zh-CN" altLang="en-US" smtClean="0"/>
-              <a:t>2023-5-3</a:t>
+              <a:t>2023-7-30</a:t>
             </a:fld>
             <a:endParaRPr lang="zh-CN" altLang="en-US"/>
           </a:p>
@@ -3204,7 +3204,7 @@
           <a:p>
             <a:fld id="{6786A9BE-9AB0-4816-9C4A-E57E7110ABF7}" type="datetimeFigureOut">
               <a:rPr lang="zh-CN" altLang="en-US" smtClean="0"/>
-              <a:t>2023-5-3</a:t>
+              <a:t>2023-7-30</a:t>
             </a:fld>
             <a:endParaRPr lang="zh-CN" altLang="en-US"/>
           </a:p>
@@ -3481,7 +3481,7 @@
           <a:p>
             <a:fld id="{6786A9BE-9AB0-4816-9C4A-E57E7110ABF7}" type="datetimeFigureOut">
               <a:rPr lang="zh-CN" altLang="en-US" smtClean="0"/>
-              <a:t>2023-5-3</a:t>
+              <a:t>2023-7-30</a:t>
             </a:fld>
             <a:endParaRPr lang="zh-CN" altLang="en-US"/>
           </a:p>
@@ -3738,7 +3738,7 @@
           <a:p>
             <a:fld id="{6786A9BE-9AB0-4816-9C4A-E57E7110ABF7}" type="datetimeFigureOut">
               <a:rPr lang="zh-CN" altLang="en-US" smtClean="0"/>
-              <a:t>2023-5-3</a:t>
+              <a:t>2023-7-30</a:t>
             </a:fld>
             <a:endParaRPr lang="zh-CN" altLang="en-US"/>
           </a:p>
@@ -3954,7 +3954,7 @@
           <a:p>
             <a:fld id="{6786A9BE-9AB0-4816-9C4A-E57E7110ABF7}" type="datetimeFigureOut">
               <a:rPr lang="zh-CN" altLang="en-US" smtClean="0"/>
-              <a:t>2023-5-3</a:t>
+              <a:t>2023-7-30</a:t>
             </a:fld>
             <a:endParaRPr lang="zh-CN" altLang="en-US"/>
           </a:p>
@@ -4409,8 +4409,8 @@
         </p:nvSpPr>
         <p:spPr>
           <a:xfrm>
-            <a:off x="-2003818" y="669558"/>
-            <a:ext cx="1560042" cy="261610"/>
+            <a:off x="-1678409" y="669558"/>
+            <a:ext cx="909223" cy="261610"/>
           </a:xfrm>
           <a:prstGeom prst="rect">
             <a:avLst/>
@@ -4425,14 +4425,6 @@
           <a:p>
             <a:pPr algn="ctr"/>
             <a:r>
-              <a:rPr lang="en-US" altLang="zh-CN" sz="1100" dirty="0">
-                <a:solidFill>
-                  <a:srgbClr val="707487"/>
-                </a:solidFill>
-              </a:rPr>
-              <a:t>booting on </a:t>
-            </a:r>
-            <a:r>
               <a:rPr lang="en-US" altLang="zh-CN" sz="1100" dirty="0" err="1">
                 <a:solidFill>
                   <a:srgbClr val="707487"/>
@@ -4450,10 +4442,10 @@
       </p:sp>
       <p:grpSp>
         <p:nvGrpSpPr>
-          <p:cNvPr id="8" name="组合 7">
+          <p:cNvPr id="9" name="组合 8">
             <a:extLst>
               <a:ext uri="{FF2B5EF4-FFF2-40B4-BE49-F238E27FC236}">
-                <a16:creationId xmlns:a16="http://schemas.microsoft.com/office/drawing/2014/main" id="{4D14D5D3-4213-42C4-CBCD-2AA8FD44448A}"/>
+                <a16:creationId xmlns:a16="http://schemas.microsoft.com/office/drawing/2014/main" id="{DA6D3948-2908-C830-C94D-8F1B468ADA29}"/>
               </a:ext>
             </a:extLst>
           </p:cNvPr>
@@ -4463,9 +4455,9 @@
         <p:grpSpPr>
           <a:xfrm>
             <a:off x="0" y="0"/>
-            <a:ext cx="2438400" cy="2438400"/>
+            <a:ext cx="2438400" cy="2438445"/>
             <a:chOff x="0" y="0"/>
-            <a:chExt cx="2438400" cy="2438400"/>
+            <a:chExt cx="2438400" cy="2438445"/>
           </a:xfrm>
         </p:grpSpPr>
         <p:pic>
@@ -4563,10 +4555,10 @@
         </p:pic>
         <p:pic>
           <p:nvPicPr>
-            <p:cNvPr id="2" name="图片 1">
+            <p:cNvPr id="7" name="图片 6">
               <a:extLst>
                 <a:ext uri="{FF2B5EF4-FFF2-40B4-BE49-F238E27FC236}">
-                  <a16:creationId xmlns:a16="http://schemas.microsoft.com/office/drawing/2014/main" id="{8D350C06-1F3E-C797-8BA8-7B0FAAAA608D}"/>
+                  <a16:creationId xmlns:a16="http://schemas.microsoft.com/office/drawing/2014/main" id="{E82314A2-484B-621F-46F2-4CB721C97F35}"/>
                 </a:ext>
               </a:extLst>
             </p:cNvPr>
@@ -4583,8 +4575,8 @@
           </p:blipFill>
           <p:spPr>
             <a:xfrm>
-              <a:off x="813110" y="2133574"/>
-              <a:ext cx="1560711" cy="304826"/>
+              <a:off x="1139274" y="2133619"/>
+              <a:ext cx="908383" cy="304826"/>
             </a:xfrm>
             <a:prstGeom prst="rect">
               <a:avLst/>
@@ -4674,9 +4666,8 @@
               </a:ext>
             </a:extLst>
           </a:blip>
-          <a:stretch>
-            <a:fillRect/>
-          </a:stretch>
+          <a:srcRect/>
+          <a:stretch/>
         </p:blipFill>
         <p:spPr>
           <a:xfrm>
@@ -5059,8 +5050,8 @@
         </p:nvSpPr>
         <p:spPr>
           <a:xfrm>
-            <a:off x="-2421840" y="484892"/>
-            <a:ext cx="1858201" cy="261610"/>
+            <a:off x="-2114865" y="484892"/>
+            <a:ext cx="1244250" cy="261610"/>
           </a:xfrm>
           <a:prstGeom prst="rect">
             <a:avLst/>
@@ -5075,14 +5066,6 @@
           <a:p>
             <a:pPr algn="ctr"/>
             <a:r>
-              <a:rPr lang="en-US" altLang="zh-CN" sz="1100" dirty="0">
-                <a:solidFill>
-                  <a:srgbClr val="6A3269"/>
-                </a:solidFill>
-              </a:rPr>
-              <a:t>booted by </a:t>
-            </a:r>
-            <a:r>
               <a:rPr lang="en-US" altLang="zh-CN" sz="1100" dirty="0" err="1">
                 <a:solidFill>
                   <a:srgbClr val="6A3269"/>
@@ -5100,10 +5083,10 @@
       </p:sp>
       <p:grpSp>
         <p:nvGrpSpPr>
-          <p:cNvPr id="9" name="组合 8">
+          <p:cNvPr id="10" name="组合 9">
             <a:extLst>
               <a:ext uri="{FF2B5EF4-FFF2-40B4-BE49-F238E27FC236}">
-                <a16:creationId xmlns:a16="http://schemas.microsoft.com/office/drawing/2014/main" id="{CA259330-61F5-5E07-FEF0-03F6C1569DA8}"/>
+                <a16:creationId xmlns:a16="http://schemas.microsoft.com/office/drawing/2014/main" id="{8EF35A5A-598B-451E-EF38-33BE058D8AE3}"/>
               </a:ext>
             </a:extLst>
           </p:cNvPr>
@@ -5178,35 +5161,6 @@
         </p:pic>
         <p:pic>
           <p:nvPicPr>
-            <p:cNvPr id="4" name="图片 3">
-              <a:extLst>
-                <a:ext uri="{FF2B5EF4-FFF2-40B4-BE49-F238E27FC236}">
-                  <a16:creationId xmlns:a16="http://schemas.microsoft.com/office/drawing/2014/main" id="{B8F22855-0F1F-3CEC-0D6A-BBEB0A4510A1}"/>
-                </a:ext>
-              </a:extLst>
-            </p:cNvPr>
-            <p:cNvPicPr>
-              <a:picLocks noChangeAspect="1"/>
-            </p:cNvPicPr>
-            <p:nvPr/>
-          </p:nvPicPr>
-          <p:blipFill rotWithShape="1">
-            <a:blip r:embed="rId6"/>
-            <a:srcRect l="4560" r="4560"/>
-            <a:stretch/>
-          </p:blipFill>
-          <p:spPr>
-            <a:xfrm>
-              <a:off x="748532" y="2133574"/>
-              <a:ext cx="1689868" cy="304826"/>
-            </a:xfrm>
-            <a:prstGeom prst="rect">
-              <a:avLst/>
-            </a:prstGeom>
-          </p:spPr>
-        </p:pic>
-        <p:pic>
-          <p:nvPicPr>
             <p:cNvPr id="5" name="图片 4">
               <a:extLst>
                 <a:ext uri="{FF2B5EF4-FFF2-40B4-BE49-F238E27FC236}">
@@ -5220,7 +5174,7 @@
             <p:nvPr/>
           </p:nvPicPr>
           <p:blipFill rotWithShape="1">
-            <a:blip r:embed="rId7"/>
+            <a:blip r:embed="rId6"/>
             <a:srcRect t="-3631"/>
             <a:stretch/>
           </p:blipFill>
@@ -5228,6 +5182,36 @@
             <a:xfrm>
               <a:off x="414600" y="0"/>
               <a:ext cx="1609200" cy="1667638"/>
+            </a:xfrm>
+            <a:prstGeom prst="rect">
+              <a:avLst/>
+            </a:prstGeom>
+          </p:spPr>
+        </p:pic>
+        <p:pic>
+          <p:nvPicPr>
+            <p:cNvPr id="6" name="图片 5">
+              <a:extLst>
+                <a:ext uri="{FF2B5EF4-FFF2-40B4-BE49-F238E27FC236}">
+                  <a16:creationId xmlns:a16="http://schemas.microsoft.com/office/drawing/2014/main" id="{1E8BCD54-2235-D510-66B6-81E1816A3C24}"/>
+                </a:ext>
+              </a:extLst>
+            </p:cNvPr>
+            <p:cNvPicPr>
+              <a:picLocks noChangeAspect="1"/>
+            </p:cNvPicPr>
+            <p:nvPr/>
+          </p:nvPicPr>
+          <p:blipFill>
+            <a:blip r:embed="rId7"/>
+            <a:stretch>
+              <a:fillRect/>
+            </a:stretch>
+          </p:blipFill>
+          <p:spPr>
+            <a:xfrm>
+              <a:off x="971620" y="2133574"/>
+              <a:ext cx="1243692" cy="304826"/>
             </a:xfrm>
             <a:prstGeom prst="rect">
               <a:avLst/>
